--- a/Tue-Thr/DS-Day-04 R.pptx
+++ b/Tue-Thr/DS-Day-04 R.pptx
@@ -202,7 +202,7 @@
           <a:p>
             <a:fld id="{22783AA6-C1EF-448D-A48A-EF30DCBEFCCC}" type="datetimeFigureOut">
               <a:rPr lang="en-US" smtClean="0"/>
-              <a:t>9/30/2018</a:t>
+              <a:t>10/2/2018</a:t>
             </a:fld>
             <a:endParaRPr lang="en-US"/>
           </a:p>
@@ -1224,7 +1224,7 @@
           <a:p>
             <a:fld id="{C14F4D0B-68E4-4C14-BD4D-319F9BD213A3}" type="datetimeFigureOut">
               <a:rPr lang="ru-RU" smtClean="0"/>
-              <a:t>30.09.2018</a:t>
+              <a:t>02.10.2018</a:t>
             </a:fld>
             <a:endParaRPr lang="ru-RU"/>
           </a:p>
@@ -1394,7 +1394,7 @@
           <a:p>
             <a:fld id="{C14F4D0B-68E4-4C14-BD4D-319F9BD213A3}" type="datetimeFigureOut">
               <a:rPr lang="ru-RU" smtClean="0"/>
-              <a:t>30.09.2018</a:t>
+              <a:t>02.10.2018</a:t>
             </a:fld>
             <a:endParaRPr lang="ru-RU"/>
           </a:p>
@@ -1574,7 +1574,7 @@
           <a:p>
             <a:fld id="{C14F4D0B-68E4-4C14-BD4D-319F9BD213A3}" type="datetimeFigureOut">
               <a:rPr lang="ru-RU" smtClean="0"/>
-              <a:t>30.09.2018</a:t>
+              <a:t>02.10.2018</a:t>
             </a:fld>
             <a:endParaRPr lang="ru-RU"/>
           </a:p>
@@ -1744,7 +1744,7 @@
           <a:p>
             <a:fld id="{C14F4D0B-68E4-4C14-BD4D-319F9BD213A3}" type="datetimeFigureOut">
               <a:rPr lang="ru-RU" smtClean="0"/>
-              <a:t>30.09.2018</a:t>
+              <a:t>02.10.2018</a:t>
             </a:fld>
             <a:endParaRPr lang="ru-RU"/>
           </a:p>
@@ -1995,7 +1995,7 @@
           <a:p>
             <a:fld id="{C14F4D0B-68E4-4C14-BD4D-319F9BD213A3}" type="datetimeFigureOut">
               <a:rPr lang="ru-RU" smtClean="0"/>
-              <a:t>30.09.2018</a:t>
+              <a:t>02.10.2018</a:t>
             </a:fld>
             <a:endParaRPr lang="ru-RU"/>
           </a:p>
@@ -2227,7 +2227,7 @@
           <a:p>
             <a:fld id="{C14F4D0B-68E4-4C14-BD4D-319F9BD213A3}" type="datetimeFigureOut">
               <a:rPr lang="ru-RU" smtClean="0"/>
-              <a:t>30.09.2018</a:t>
+              <a:t>02.10.2018</a:t>
             </a:fld>
             <a:endParaRPr lang="ru-RU"/>
           </a:p>
@@ -2574,7 +2574,7 @@
           <a:p>
             <a:fld id="{C14F4D0B-68E4-4C14-BD4D-319F9BD213A3}" type="datetimeFigureOut">
               <a:rPr lang="ru-RU" smtClean="0"/>
-              <a:t>30.09.2018</a:t>
+              <a:t>02.10.2018</a:t>
             </a:fld>
             <a:endParaRPr lang="ru-RU"/>
           </a:p>
@@ -2692,7 +2692,7 @@
           <a:p>
             <a:fld id="{C14F4D0B-68E4-4C14-BD4D-319F9BD213A3}" type="datetimeFigureOut">
               <a:rPr lang="ru-RU" smtClean="0"/>
-              <a:t>30.09.2018</a:t>
+              <a:t>02.10.2018</a:t>
             </a:fld>
             <a:endParaRPr lang="ru-RU"/>
           </a:p>
@@ -2810,7 +2810,7 @@
           <a:p>
             <a:fld id="{C14F4D0B-68E4-4C14-BD4D-319F9BD213A3}" type="datetimeFigureOut">
               <a:rPr lang="ru-RU" smtClean="0"/>
-              <a:t>30.09.2018</a:t>
+              <a:t>02.10.2018</a:t>
             </a:fld>
             <a:endParaRPr lang="ru-RU"/>
           </a:p>
@@ -3094,7 +3094,7 @@
           <a:p>
             <a:fld id="{C14F4D0B-68E4-4C14-BD4D-319F9BD213A3}" type="datetimeFigureOut">
               <a:rPr lang="ru-RU" smtClean="0"/>
-              <a:t>30.09.2018</a:t>
+              <a:t>02.10.2018</a:t>
             </a:fld>
             <a:endParaRPr lang="ru-RU"/>
           </a:p>
@@ -3358,7 +3358,7 @@
           <a:p>
             <a:fld id="{C14F4D0B-68E4-4C14-BD4D-319F9BD213A3}" type="datetimeFigureOut">
               <a:rPr lang="ru-RU" smtClean="0"/>
-              <a:t>30.09.2018</a:t>
+              <a:t>02.10.2018</a:t>
             </a:fld>
             <a:endParaRPr lang="ru-RU"/>
           </a:p>
@@ -3572,7 +3572,7 @@
           <a:p>
             <a:fld id="{C14F4D0B-68E4-4C14-BD4D-319F9BD213A3}" type="datetimeFigureOut">
               <a:rPr lang="ru-RU" smtClean="0"/>
-              <a:t>30.09.2018</a:t>
+              <a:t>02.10.2018</a:t>
             </a:fld>
             <a:endParaRPr lang="ru-RU"/>
           </a:p>
@@ -6213,11 +6213,23 @@
             </a:r>
             <a:r>
               <a:rPr lang="ru-RU" sz="2800" b="1" dirty="0" smtClean="0"/>
-              <a:t> данные в файле </a:t>
-            </a:r>
-            <a:r>
-              <a:rPr lang="en-US" sz="2800" b="1" dirty="0"/>
-              <a:t>DataDay2.csv, </a:t>
+              <a:t> данные в </a:t>
+            </a:r>
+            <a:r>
+              <a:rPr lang="ru-RU" sz="2800" b="1" dirty="0" smtClean="0"/>
+              <a:t>файле</a:t>
+            </a:r>
+            <a:r>
+              <a:rPr lang="en-US" sz="2800" b="1" dirty="0" smtClean="0"/>
+              <a:t> 2 </a:t>
+            </a:r>
+            <a:r>
+              <a:rPr lang="ru-RU" sz="2800" b="1" dirty="0" smtClean="0"/>
+              <a:t>слайда</a:t>
+            </a:r>
+            <a:r>
+              <a:rPr lang="en-US" sz="2800" b="1" dirty="0" smtClean="0"/>
+              <a:t>, </a:t>
             </a:r>
             <a:r>
               <a:rPr lang="ru-RU" sz="2800" b="1" dirty="0" smtClean="0"/>
@@ -6233,13 +6245,8 @@
             </a:pPr>
             <a:r>
               <a:rPr lang="ru-RU" sz="2800" dirty="0" smtClean="0"/>
-              <a:t>Доделать задания слайда </a:t>
-            </a:r>
-            <a:r>
-              <a:rPr lang="ru-RU" sz="2800" dirty="0" smtClean="0"/>
-              <a:t>2;</a:t>
-            </a:r>
-            <a:endParaRPr lang="ru-RU" sz="2800" dirty="0" smtClean="0"/>
+              <a:t>Доделать задания слайда 2;</a:t>
+            </a:r>
           </a:p>
           <a:p>
             <a:pPr marL="342900" indent="-342900">
